--- a/BYOC.pptx
+++ b/BYOC.pptx
@@ -5,16 +5,17 @@
     <p:sldMasterId id="2147483648" r:id="rId1"/>
   </p:sldMasterIdLst>
   <p:notesMasterIdLst>
-    <p:notesMasterId r:id="rId7"/>
+    <p:notesMasterId r:id="rId8"/>
   </p:notesMasterIdLst>
   <p:handoutMasterIdLst>
-    <p:handoutMasterId r:id="rId8"/>
+    <p:handoutMasterId r:id="rId9"/>
   </p:handoutMasterIdLst>
   <p:sldIdLst>
     <p:sldId id="256" r:id="rId3"/>
     <p:sldId id="257" r:id="rId4"/>
     <p:sldId id="259" r:id="rId5"/>
     <p:sldId id="258" r:id="rId6"/>
+    <p:sldId id="260" r:id="rId7"/>
   </p:sldIdLst>
   <p:sldSz cx="12192000" cy="6858000"/>
   <p:notesSz cx="7103745" cy="10234295"/>
@@ -3849,6 +3850,103 @@
             <a:endParaRPr lang="" altLang="en-US"/>
           </a:p>
           <a:p>
+            <a:endParaRPr lang="" altLang="en-US"/>
+          </a:p>
+        </p:txBody>
+      </p:sp>
+    </p:spTree>
+  </p:cSld>
+  <p:clrMapOvr>
+    <a:masterClrMapping/>
+  </p:clrMapOvr>
+</p:sld>
+</file>
+
+<file path=ppt/slides/slide5.xml><?xml version="1.0" encoding="utf-8"?>
+<p:sld xmlns:a="http://schemas.openxmlformats.org/drawingml/2006/main" xmlns:r="http://schemas.openxmlformats.org/officeDocument/2006/relationships" xmlns:p="http://schemas.openxmlformats.org/presentationml/2006/main">
+  <p:cSld>
+    <p:spTree>
+      <p:nvGrpSpPr>
+        <p:cNvPr id="1" name=""/>
+        <p:cNvGrpSpPr/>
+        <p:nvPr/>
+      </p:nvGrpSpPr>
+      <p:grpSpPr/>
+      <p:sp>
+        <p:nvSpPr>
+          <p:cNvPr id="2" name="Title 1"/>
+          <p:cNvSpPr>
+            <a:spLocks noGrp="true"/>
+          </p:cNvSpPr>
+          <p:nvPr>
+            <p:ph type="title"/>
+          </p:nvPr>
+        </p:nvSpPr>
+        <p:spPr/>
+        <p:txBody>
+          <a:bodyPr/>
+          <a:p>
+            <a:r>
+              <a:rPr lang="" altLang="en-US"/>
+              <a:t>Installation step</a:t>
+            </a:r>
+            <a:endParaRPr lang="" altLang="en-US"/>
+          </a:p>
+        </p:txBody>
+      </p:sp>
+      <p:sp>
+        <p:nvSpPr>
+          <p:cNvPr id="3" name="Content Placeholder 2"/>
+          <p:cNvSpPr>
+            <a:spLocks noGrp="true"/>
+          </p:cNvSpPr>
+          <p:nvPr>
+            <p:ph idx="1"/>
+          </p:nvPr>
+        </p:nvSpPr>
+        <p:spPr/>
+        <p:txBody>
+          <a:bodyPr/>
+          <a:p>
+            <a:r>
+              <a:rPr lang="" altLang="en-US"/>
+              <a:t>Install ansible, python, pip</a:t>
+            </a:r>
+            <a:endParaRPr lang="" altLang="en-US"/>
+          </a:p>
+          <a:p>
+            <a:r>
+              <a:rPr lang="" altLang="en-US"/>
+              <a:t>Prepare SSH key on all nodes</a:t>
+            </a:r>
+            <a:endParaRPr lang="" altLang="en-US"/>
+          </a:p>
+          <a:p>
+            <a:r>
+              <a:rPr lang="" altLang="en-US"/>
+              <a:t>Config and upload parameters</a:t>
+            </a:r>
+            <a:endParaRPr lang="" altLang="en-US"/>
+          </a:p>
+          <a:p>
+            <a:r>
+              <a:rPr lang="" altLang="en-US"/>
+              <a:t>Execute playbook</a:t>
+            </a:r>
+            <a:endParaRPr lang="" altLang="en-US"/>
+          </a:p>
+          <a:p>
+            <a:r>
+              <a:rPr lang="" altLang="en-US"/>
+              <a:t>Create service account / role binding / cluster config</a:t>
+            </a:r>
+            <a:endParaRPr lang="" altLang="en-US"/>
+          </a:p>
+          <a:p>
+            <a:r>
+              <a:rPr lang="" altLang="en-US"/>
+              <a:t>Check cluster info</a:t>
+            </a:r>
             <a:endParaRPr lang="" altLang="en-US"/>
           </a:p>
         </p:txBody>

--- a/BYOC.pptx
+++ b/BYOC.pptx
@@ -5,10 +5,10 @@
     <p:sldMasterId id="2147483648" r:id="rId1"/>
   </p:sldMasterIdLst>
   <p:notesMasterIdLst>
-    <p:notesMasterId r:id="rId8"/>
+    <p:notesMasterId r:id="rId11"/>
   </p:notesMasterIdLst>
   <p:handoutMasterIdLst>
-    <p:handoutMasterId r:id="rId9"/>
+    <p:handoutMasterId r:id="rId15"/>
   </p:handoutMasterIdLst>
   <p:sldIdLst>
     <p:sldId id="256" r:id="rId3"/>
@@ -16,6 +16,12 @@
     <p:sldId id="259" r:id="rId5"/>
     <p:sldId id="258" r:id="rId6"/>
     <p:sldId id="260" r:id="rId7"/>
+    <p:sldId id="261" r:id="rId8"/>
+    <p:sldId id="262" r:id="rId9"/>
+    <p:sldId id="263" r:id="rId10"/>
+    <p:sldId id="264" r:id="rId12"/>
+    <p:sldId id="265" r:id="rId13"/>
+    <p:sldId id="266" r:id="rId14"/>
   </p:sldIdLst>
   <p:sldSz cx="12192000" cy="6858000"/>
   <p:notesSz cx="7103745" cy="10234295"/>
@@ -620,6 +626,50 @@
     </a:lvl9pPr>
   </p:notesStyle>
 </p:notesMaster>
+</file>
+
+<file path=ppt/notesSlides/notesSlide1.xml><?xml version="1.0" encoding="utf-8"?>
+<p:notes xmlns:a="http://schemas.openxmlformats.org/drawingml/2006/main" xmlns:r="http://schemas.openxmlformats.org/officeDocument/2006/relationships" xmlns:p="http://schemas.openxmlformats.org/presentationml/2006/main">
+  <p:cSld>
+    <p:spTree>
+      <p:nvGrpSpPr>
+        <p:cNvPr id="1" name=""/>
+        <p:cNvGrpSpPr/>
+        <p:nvPr/>
+      </p:nvGrpSpPr>
+      <p:grpSpPr/>
+      <p:sp>
+        <p:nvSpPr>
+          <p:cNvPr id="2" name="Slide Image Placeholder 1"/>
+          <p:cNvSpPr/>
+          <p:nvPr>
+            <p:ph type="sldImg" idx="2"/>
+          </p:nvPr>
+        </p:nvSpPr>
+        <p:spPr/>
+      </p:sp>
+      <p:sp>
+        <p:nvSpPr>
+          <p:cNvPr id="3" name="Text Placeholder 2"/>
+          <p:cNvSpPr/>
+          <p:nvPr>
+            <p:ph type="body" idx="3"/>
+          </p:nvPr>
+        </p:nvSpPr>
+        <p:spPr/>
+        <p:txBody>
+          <a:bodyPr/>
+          <a:p>
+            <a:endParaRPr lang="en-US"/>
+          </a:p>
+        </p:txBody>
+      </p:sp>
+    </p:spTree>
+  </p:cSld>
+  <p:clrMapOvr>
+    <a:masterClrMapping/>
+  </p:clrMapOvr>
+</p:notes>
 </file>
 
 <file path=ppt/slideLayouts/slideLayout1.xml><?xml version="1.0" encoding="utf-8"?>
@@ -3548,30 +3598,57 @@
           <a:bodyPr/>
           <a:p>
             <a:r>
+              <a:rPr lang="en-US" altLang="en-US">
+                <a:sym typeface="+mn-ea"/>
+              </a:rPr>
+              <a:t>Open</a:t>
+            </a:r>
+            <a:r>
+              <a:rPr lang="" altLang="en-US">
+                <a:sym typeface="+mn-ea"/>
+              </a:rPr>
+              <a:t> I</a:t>
+            </a:r>
+            <a:r>
+              <a:rPr lang="en-US" altLang="en-US">
+                <a:sym typeface="+mn-ea"/>
+              </a:rPr>
+              <a:t>nfra</a:t>
+            </a:r>
+            <a:r>
+              <a:rPr lang="" altLang="en-US">
+                <a:sym typeface="+mn-ea"/>
+              </a:rPr>
+              <a:t> Project</a:t>
+            </a:r>
+            <a:endParaRPr lang="" altLang="en-US">
+              <a:sym typeface="+mn-ea"/>
+            </a:endParaRPr>
+          </a:p>
+        </p:txBody>
+      </p:sp>
+      <p:sp>
+        <p:nvSpPr>
+          <p:cNvPr id="3" name="Subtitle 2"/>
+          <p:cNvSpPr>
+            <a:spLocks noGrp="true"/>
+          </p:cNvSpPr>
+          <p:nvPr>
+            <p:ph type="subTitle" idx="1"/>
+          </p:nvPr>
+        </p:nvSpPr>
+        <p:spPr>
+          <a:xfrm>
+            <a:off x="1524000" y="3612198"/>
+            <a:ext cx="9144000" cy="1655762"/>
+          </a:xfrm>
+        </p:spPr>
+        <p:txBody>
+          <a:bodyPr/>
+          <a:p>
+            <a:r>
               <a:rPr lang="" altLang="en-US"/>
-              <a:t>BYOC</a:t>
-            </a:r>
-            <a:endParaRPr lang="" altLang="en-US"/>
-          </a:p>
-        </p:txBody>
-      </p:sp>
-      <p:sp>
-        <p:nvSpPr>
-          <p:cNvPr id="3" name="Subtitle 2"/>
-          <p:cNvSpPr>
-            <a:spLocks noGrp="true"/>
-          </p:cNvSpPr>
-          <p:nvPr>
-            <p:ph type="subTitle" idx="1"/>
-          </p:nvPr>
-        </p:nvSpPr>
-        <p:spPr/>
-        <p:txBody>
-          <a:bodyPr/>
-          <a:p>
-            <a:r>
-              <a:rPr lang="" altLang="en-US"/>
-              <a:t>Build Your Own Cluster</a:t>
+              <a:t>Build Your Own Kubernetes Cluster</a:t>
             </a:r>
             <a:endParaRPr lang="" altLang="en-US"/>
           </a:p>
@@ -3584,6 +3661,126 @@
           </a:p>
         </p:txBody>
       </p:sp>
+    </p:spTree>
+  </p:cSld>
+  <p:clrMapOvr>
+    <a:masterClrMapping/>
+  </p:clrMapOvr>
+</p:sld>
+</file>
+
+<file path=ppt/slides/slide10.xml><?xml version="1.0" encoding="utf-8"?>
+<p:sld xmlns:a="http://schemas.openxmlformats.org/drawingml/2006/main" xmlns:r="http://schemas.openxmlformats.org/officeDocument/2006/relationships" xmlns:p="http://schemas.openxmlformats.org/presentationml/2006/main">
+  <p:cSld>
+    <p:spTree>
+      <p:nvGrpSpPr>
+        <p:cNvPr id="1" name=""/>
+        <p:cNvGrpSpPr/>
+        <p:nvPr/>
+      </p:nvGrpSpPr>
+      <p:grpSpPr/>
+      <p:sp>
+        <p:nvSpPr>
+          <p:cNvPr id="4" name="Content Placeholder 3"/>
+          <p:cNvSpPr>
+            <a:spLocks noGrp="true"/>
+          </p:cNvSpPr>
+          <p:nvPr>
+            <p:ph sz="quarter" idx="13"/>
+          </p:nvPr>
+        </p:nvSpPr>
+        <p:spPr/>
+        <p:txBody>
+          <a:bodyPr/>
+          <a:p>
+            <a:endParaRPr lang="en-US"/>
+          </a:p>
+        </p:txBody>
+      </p:sp>
+      <p:pic>
+        <p:nvPicPr>
+          <p:cNvPr id="5" name="Picture 4" descr="kubernetes"/>
+          <p:cNvPicPr>
+            <a:picLocks noChangeAspect="true"/>
+          </p:cNvPicPr>
+          <p:nvPr/>
+        </p:nvPicPr>
+        <p:blipFill>
+          <a:blip r:embed="rId1"/>
+          <a:stretch>
+            <a:fillRect/>
+          </a:stretch>
+        </p:blipFill>
+        <p:spPr>
+          <a:xfrm>
+            <a:off x="1333500" y="144780"/>
+            <a:ext cx="9389110" cy="6567805"/>
+          </a:xfrm>
+          <a:prstGeom prst="rect">
+            <a:avLst/>
+          </a:prstGeom>
+        </p:spPr>
+      </p:pic>
+    </p:spTree>
+  </p:cSld>
+  <p:clrMapOvr>
+    <a:masterClrMapping/>
+  </p:clrMapOvr>
+</p:sld>
+</file>
+
+<file path=ppt/slides/slide11.xml><?xml version="1.0" encoding="utf-8"?>
+<p:sld xmlns:a="http://schemas.openxmlformats.org/drawingml/2006/main" xmlns:r="http://schemas.openxmlformats.org/officeDocument/2006/relationships" xmlns:p="http://schemas.openxmlformats.org/presentationml/2006/main">
+  <p:cSld>
+    <p:spTree>
+      <p:nvGrpSpPr>
+        <p:cNvPr id="1" name=""/>
+        <p:cNvGrpSpPr/>
+        <p:nvPr/>
+      </p:nvGrpSpPr>
+      <p:grpSpPr/>
+      <p:sp>
+        <p:nvSpPr>
+          <p:cNvPr id="2" name="Content Placeholder 1"/>
+          <p:cNvSpPr>
+            <a:spLocks noGrp="true"/>
+          </p:cNvSpPr>
+          <p:nvPr>
+            <p:ph sz="quarter" idx="13"/>
+          </p:nvPr>
+        </p:nvSpPr>
+        <p:spPr/>
+        <p:txBody>
+          <a:bodyPr/>
+          <a:p>
+            <a:endParaRPr lang="en-US"/>
+          </a:p>
+        </p:txBody>
+      </p:sp>
+      <p:pic>
+        <p:nvPicPr>
+          <p:cNvPr id="3" name="Picture 2" descr="heketi-gluster"/>
+          <p:cNvPicPr>
+            <a:picLocks noChangeAspect="true"/>
+          </p:cNvPicPr>
+          <p:nvPr/>
+        </p:nvPicPr>
+        <p:blipFill>
+          <a:blip r:embed="rId1"/>
+          <a:stretch>
+            <a:fillRect/>
+          </a:stretch>
+        </p:blipFill>
+        <p:spPr>
+          <a:xfrm>
+            <a:off x="769620" y="332105"/>
+            <a:ext cx="10584180" cy="6369050"/>
+          </a:xfrm>
+          <a:prstGeom prst="rect">
+            <a:avLst/>
+          </a:prstGeom>
+        </p:spPr>
+      </p:pic>
     </p:spTree>
   </p:cSld>
   <p:clrMapOvr>
@@ -3759,6 +3956,30 @@
           </a:p>
         </p:txBody>
       </p:sp>
+      <p:pic>
+        <p:nvPicPr>
+          <p:cNvPr id="8" name="Picture 7"/>
+          <p:cNvPicPr>
+            <a:picLocks noChangeAspect="true"/>
+          </p:cNvPicPr>
+          <p:nvPr/>
+        </p:nvPicPr>
+        <p:blipFill>
+          <a:blip r:embed="rId1"/>
+          <a:stretch>
+            <a:fillRect/>
+          </a:stretch>
+        </p:blipFill>
+        <p:spPr>
+          <a:xfrm>
+            <a:off x="831850" y="724535"/>
+            <a:ext cx="5490210" cy="2793365"/>
+          </a:xfrm>
+          <a:prstGeom prst="rect">
+            <a:avLst/>
+          </a:prstGeom>
+        </p:spPr>
+      </p:pic>
     </p:spTree>
   </p:cSld>
   <p:clrMapOvr>
@@ -3821,6 +4042,13 @@
           <a:p>
             <a:r>
               <a:rPr lang="" altLang="en-US"/>
+              <a:t>Actively developed open source, 11.2K stars, 5988 commits</a:t>
+            </a:r>
+            <a:endParaRPr lang="" altLang="en-US"/>
+          </a:p>
+          <a:p>
+            <a:r>
+              <a:rPr lang="" altLang="en-US"/>
               <a:t>Can be deployed on any cloud provider infrastructure</a:t>
             </a:r>
             <a:endParaRPr lang="" altLang="en-US"/>
@@ -3847,13 +4075,44 @@
             <a:endParaRPr lang="" altLang="en-US"/>
           </a:p>
           <a:p>
+            <a:r>
+              <a:rPr lang="" altLang="en-US"/>
+              <a:t>Support almost all linux systems</a:t>
+            </a:r>
             <a:endParaRPr lang="" altLang="en-US"/>
           </a:p>
           <a:p>
             <a:endParaRPr lang="" altLang="en-US"/>
           </a:p>
-        </p:txBody>
-      </p:sp>
+          <a:p>
+            <a:endParaRPr lang="" altLang="en-US"/>
+          </a:p>
+        </p:txBody>
+      </p:sp>
+      <p:pic>
+        <p:nvPicPr>
+          <p:cNvPr id="4" name="Picture 3"/>
+          <p:cNvPicPr>
+            <a:picLocks noChangeAspect="true"/>
+          </p:cNvPicPr>
+          <p:nvPr/>
+        </p:nvPicPr>
+        <p:blipFill>
+          <a:blip r:embed="rId1"/>
+          <a:stretch>
+            <a:fillRect/>
+          </a:stretch>
+        </p:blipFill>
+        <p:spPr>
+          <a:xfrm>
+            <a:off x="5483225" y="2294890"/>
+            <a:ext cx="6501130" cy="3644900"/>
+          </a:xfrm>
+          <a:prstGeom prst="rect">
+            <a:avLst/>
+          </a:prstGeom>
+        </p:spPr>
+      </p:pic>
     </p:spTree>
   </p:cSld>
   <p:clrMapOvr>
@@ -3946,6 +4205,377 @@
             <a:r>
               <a:rPr lang="" altLang="en-US"/>
               <a:t>Check cluster info</a:t>
+            </a:r>
+            <a:endParaRPr lang="" altLang="en-US"/>
+          </a:p>
+        </p:txBody>
+      </p:sp>
+      <p:pic>
+        <p:nvPicPr>
+          <p:cNvPr id="4" name="Picture 3"/>
+          <p:cNvPicPr>
+            <a:picLocks noChangeAspect="true"/>
+          </p:cNvPicPr>
+          <p:nvPr/>
+        </p:nvPicPr>
+        <p:blipFill>
+          <a:blip r:embed="rId1"/>
+          <a:stretch>
+            <a:fillRect/>
+          </a:stretch>
+        </p:blipFill>
+        <p:spPr>
+          <a:xfrm>
+            <a:off x="7018655" y="2231390"/>
+            <a:ext cx="4732020" cy="2900680"/>
+          </a:xfrm>
+          <a:prstGeom prst="rect">
+            <a:avLst/>
+          </a:prstGeom>
+        </p:spPr>
+      </p:pic>
+    </p:spTree>
+  </p:cSld>
+  <p:clrMapOvr>
+    <a:masterClrMapping/>
+  </p:clrMapOvr>
+</p:sld>
+</file>
+
+<file path=ppt/slides/slide6.xml><?xml version="1.0" encoding="utf-8"?>
+<p:sld xmlns:a="http://schemas.openxmlformats.org/drawingml/2006/main" xmlns:r="http://schemas.openxmlformats.org/officeDocument/2006/relationships" xmlns:p="http://schemas.openxmlformats.org/presentationml/2006/main">
+  <p:cSld>
+    <p:spTree>
+      <p:nvGrpSpPr>
+        <p:cNvPr id="1" name=""/>
+        <p:cNvGrpSpPr/>
+        <p:nvPr/>
+      </p:nvGrpSpPr>
+      <p:grpSpPr/>
+      <p:sp>
+        <p:nvSpPr>
+          <p:cNvPr id="4" name="Title 3"/>
+          <p:cNvSpPr>
+            <a:spLocks noGrp="true"/>
+          </p:cNvSpPr>
+          <p:nvPr>
+            <p:ph type="title"/>
+          </p:nvPr>
+        </p:nvSpPr>
+        <p:spPr/>
+        <p:txBody>
+          <a:bodyPr/>
+          <a:p>
+            <a:r>
+              <a:rPr lang="" altLang="en-US"/>
+              <a:t>Gluster &amp; Heketi</a:t>
+            </a:r>
+            <a:endParaRPr lang="" altLang="en-US"/>
+          </a:p>
+        </p:txBody>
+      </p:sp>
+      <p:sp>
+        <p:nvSpPr>
+          <p:cNvPr id="5" name="Text Placeholder 4"/>
+          <p:cNvSpPr>
+            <a:spLocks noGrp="true"/>
+          </p:cNvSpPr>
+          <p:nvPr>
+            <p:ph type="body" idx="1"/>
+          </p:nvPr>
+        </p:nvSpPr>
+        <p:spPr/>
+        <p:txBody>
+          <a:bodyPr/>
+          <a:p>
+            <a:endParaRPr lang="en-US"/>
+          </a:p>
+        </p:txBody>
+      </p:sp>
+    </p:spTree>
+  </p:cSld>
+  <p:clrMapOvr>
+    <a:masterClrMapping/>
+  </p:clrMapOvr>
+</p:sld>
+</file>
+
+<file path=ppt/slides/slide7.xml><?xml version="1.0" encoding="utf-8"?>
+<p:sld xmlns:a="http://schemas.openxmlformats.org/drawingml/2006/main" xmlns:r="http://schemas.openxmlformats.org/officeDocument/2006/relationships" xmlns:p="http://schemas.openxmlformats.org/presentationml/2006/main">
+  <p:cSld>
+    <p:spTree>
+      <p:nvGrpSpPr>
+        <p:cNvPr id="1" name=""/>
+        <p:cNvGrpSpPr/>
+        <p:nvPr/>
+      </p:nvGrpSpPr>
+      <p:grpSpPr/>
+      <p:sp>
+        <p:nvSpPr>
+          <p:cNvPr id="12" name="Title 11"/>
+          <p:cNvSpPr>
+            <a:spLocks noGrp="true"/>
+          </p:cNvSpPr>
+          <p:nvPr>
+            <p:ph type="title"/>
+          </p:nvPr>
+        </p:nvSpPr>
+        <p:spPr/>
+        <p:txBody>
+          <a:bodyPr/>
+          <a:p>
+            <a:r>
+              <a:rPr lang="en-US" altLang="en-US">
+                <a:sym typeface="+mn-ea"/>
+              </a:rPr>
+              <a:t>Introduction</a:t>
+            </a:r>
+            <a:r>
+              <a:rPr lang="" altLang="en-US">
+                <a:sym typeface="+mn-ea"/>
+              </a:rPr>
+              <a:t>: Gluster</a:t>
+            </a:r>
+            <a:endParaRPr lang="" altLang="en-US">
+              <a:sym typeface="+mn-ea"/>
+            </a:endParaRPr>
+          </a:p>
+        </p:txBody>
+      </p:sp>
+      <p:sp>
+        <p:nvSpPr>
+          <p:cNvPr id="13" name="Content Placeholder 12"/>
+          <p:cNvSpPr>
+            <a:spLocks noGrp="true"/>
+          </p:cNvSpPr>
+          <p:nvPr>
+            <p:ph sz="half" idx="1"/>
+          </p:nvPr>
+        </p:nvSpPr>
+        <p:spPr/>
+        <p:txBody>
+          <a:bodyPr/>
+          <a:p>
+            <a:r>
+              <a:rPr lang="" altLang="en-US"/>
+              <a:t>Open storage platform backed by Redhat, both having free and commercial version.</a:t>
+            </a:r>
+            <a:endParaRPr lang="" altLang="en-US"/>
+          </a:p>
+          <a:p>
+            <a:r>
+              <a:rPr lang="" altLang="en-US"/>
+              <a:t>Relatively easy to install, config and operate (especially use with Heketi APIs)</a:t>
+            </a:r>
+            <a:endParaRPr lang="" altLang="en-US"/>
+          </a:p>
+          <a:p>
+            <a:r>
+              <a:rPr lang="" altLang="en-US"/>
+              <a:t>Distributed file system</a:t>
+            </a:r>
+            <a:endParaRPr lang="" altLang="en-US"/>
+          </a:p>
+          <a:p>
+            <a:r>
+              <a:rPr lang="" altLang="en-US"/>
+              <a:t>Support replication, high available</a:t>
+            </a:r>
+            <a:endParaRPr lang="" altLang="en-US"/>
+          </a:p>
+          <a:p>
+            <a:endParaRPr lang="" altLang="en-US"/>
+          </a:p>
+        </p:txBody>
+      </p:sp>
+      <p:pic>
+        <p:nvPicPr>
+          <p:cNvPr id="18" name="Content Placeholder 17"/>
+          <p:cNvPicPr>
+            <a:picLocks noChangeAspect="true"/>
+          </p:cNvPicPr>
+          <p:nvPr>
+            <p:ph sz="half" idx="2"/>
+          </p:nvPr>
+        </p:nvPicPr>
+        <p:blipFill>
+          <a:blip r:embed="rId1"/>
+          <a:stretch>
+            <a:fillRect/>
+          </a:stretch>
+        </p:blipFill>
+        <p:spPr>
+          <a:xfrm>
+            <a:off x="6305550" y="1825625"/>
+            <a:ext cx="4533265" cy="4351655"/>
+          </a:xfrm>
+          <a:prstGeom prst="rect">
+            <a:avLst/>
+          </a:prstGeom>
+        </p:spPr>
+      </p:pic>
+    </p:spTree>
+  </p:cSld>
+  <p:clrMapOvr>
+    <a:masterClrMapping/>
+  </p:clrMapOvr>
+</p:sld>
+</file>
+
+<file path=ppt/slides/slide8.xml><?xml version="1.0" encoding="utf-8"?>
+<p:sld xmlns:a="http://schemas.openxmlformats.org/drawingml/2006/main" xmlns:r="http://schemas.openxmlformats.org/officeDocument/2006/relationships" xmlns:p="http://schemas.openxmlformats.org/presentationml/2006/main">
+  <p:cSld>
+    <p:spTree>
+      <p:nvGrpSpPr>
+        <p:cNvPr id="1" name=""/>
+        <p:cNvGrpSpPr/>
+        <p:nvPr/>
+      </p:nvGrpSpPr>
+      <p:grpSpPr/>
+      <p:sp>
+        <p:nvSpPr>
+          <p:cNvPr id="2" name="Title 1"/>
+          <p:cNvSpPr>
+            <a:spLocks noGrp="true"/>
+          </p:cNvSpPr>
+          <p:nvPr>
+            <p:ph type="title"/>
+          </p:nvPr>
+        </p:nvSpPr>
+        <p:spPr/>
+        <p:txBody>
+          <a:bodyPr/>
+          <a:p>
+            <a:r>
+              <a:rPr lang="" altLang="en-US"/>
+              <a:t>Introduction: </a:t>
+            </a:r>
+            <a:r>
+              <a:rPr lang="en-US" altLang="en-US">
+                <a:sym typeface="+mn-ea"/>
+              </a:rPr>
+              <a:t>Heketi</a:t>
+            </a:r>
+            <a:endParaRPr lang="" altLang="en-US"/>
+          </a:p>
+        </p:txBody>
+      </p:sp>
+      <p:sp>
+        <p:nvSpPr>
+          <p:cNvPr id="3" name="Content Placeholder 2"/>
+          <p:cNvSpPr>
+            <a:spLocks noGrp="true"/>
+          </p:cNvSpPr>
+          <p:nvPr>
+            <p:ph sz="half" idx="1"/>
+          </p:nvPr>
+        </p:nvSpPr>
+        <p:spPr/>
+        <p:txBody>
+          <a:bodyPr/>
+          <a:p>
+            <a:r>
+              <a:rPr lang="en-US"/>
+              <a:t>RESTful management interface</a:t>
+            </a:r>
+            <a:r>
+              <a:rPr lang="" altLang="en-US"/>
+              <a:t> for Gluster</a:t>
+            </a:r>
+            <a:endParaRPr lang="" altLang="en-US"/>
+          </a:p>
+          <a:p>
+            <a:r>
+              <a:rPr lang="" altLang="en-US"/>
+              <a:t>Reduce volume operation overhead on Gluster</a:t>
+            </a:r>
+            <a:endParaRPr lang="" altLang="en-US"/>
+          </a:p>
+        </p:txBody>
+      </p:sp>
+      <p:pic>
+        <p:nvPicPr>
+          <p:cNvPr id="5" name="Content Placeholder 4"/>
+          <p:cNvPicPr>
+            <a:picLocks noChangeAspect="true"/>
+          </p:cNvPicPr>
+          <p:nvPr>
+            <p:ph sz="half" idx="2"/>
+          </p:nvPr>
+        </p:nvPicPr>
+        <p:blipFill>
+          <a:blip r:embed="rId1"/>
+          <a:stretch>
+            <a:fillRect/>
+          </a:stretch>
+        </p:blipFill>
+        <p:spPr>
+          <a:xfrm>
+            <a:off x="6930390" y="469900"/>
+            <a:ext cx="4457065" cy="6172835"/>
+          </a:xfrm>
+          <a:prstGeom prst="rect">
+            <a:avLst/>
+          </a:prstGeom>
+        </p:spPr>
+      </p:pic>
+    </p:spTree>
+  </p:cSld>
+  <p:clrMapOvr>
+    <a:masterClrMapping/>
+  </p:clrMapOvr>
+</p:sld>
+</file>
+
+<file path=ppt/slides/slide9.xml><?xml version="1.0" encoding="utf-8"?>
+<p:sld xmlns:a="http://schemas.openxmlformats.org/drawingml/2006/main" xmlns:r="http://schemas.openxmlformats.org/officeDocument/2006/relationships" xmlns:p="http://schemas.openxmlformats.org/presentationml/2006/main">
+  <p:cSld>
+    <p:spTree>
+      <p:nvGrpSpPr>
+        <p:cNvPr id="1" name=""/>
+        <p:cNvGrpSpPr/>
+        <p:nvPr/>
+      </p:nvGrpSpPr>
+      <p:grpSpPr/>
+      <p:sp>
+        <p:nvSpPr>
+          <p:cNvPr id="5" name="Title 4"/>
+          <p:cNvSpPr>
+            <a:spLocks noGrp="true"/>
+          </p:cNvSpPr>
+          <p:nvPr>
+            <p:ph type="title"/>
+          </p:nvPr>
+        </p:nvSpPr>
+        <p:spPr/>
+        <p:txBody>
+          <a:bodyPr/>
+          <a:p>
+            <a:r>
+              <a:rPr lang="" altLang="en-US"/>
+              <a:t>Architecture Design</a:t>
+            </a:r>
+            <a:endParaRPr lang="" altLang="en-US"/>
+          </a:p>
+        </p:txBody>
+      </p:sp>
+      <p:sp>
+        <p:nvSpPr>
+          <p:cNvPr id="6" name="Text Placeholder 5"/>
+          <p:cNvSpPr>
+            <a:spLocks noGrp="true"/>
+          </p:cNvSpPr>
+          <p:nvPr>
+            <p:ph type="body" idx="1"/>
+          </p:nvPr>
+        </p:nvSpPr>
+        <p:spPr/>
+        <p:txBody>
+          <a:bodyPr/>
+          <a:p>
+            <a:r>
+              <a:rPr lang="" altLang="en-US"/>
+              <a:t>Open-infra project</a:t>
             </a:r>
             <a:endParaRPr lang="" altLang="en-US"/>
           </a:p>
